--- a/ppt 16-9/1445.太初有道.pptx
+++ b/ppt 16-9/1445.太初有道.pptx
@@ -5,7 +5,7 @@
     <p:sldMasterId id="2147483648" r:id="rId1"/>
   </p:sldMasterIdLst>
   <p:sldIdLst>
-    <p:sldId id="1016" r:id="rId2"/>
+    <p:sldId id="1017" r:id="rId2"/>
   </p:sldIdLst>
   <p:sldSz cx="12192000" cy="6858000"/>
   <p:notesSz cx="6858000" cy="9144000"/>
@@ -129,7 +129,7 @@
           <p:cNvPr id="2" name="标题 1">
             <a:extLst>
               <a:ext uri="{FF2B5EF4-FFF2-40B4-BE49-F238E27FC236}">
-                <a16:creationId xmlns:a16="http://schemas.microsoft.com/office/drawing/2014/main" id="{71D20DBF-5C6E-38E0-4102-BAF0049D7D29}"/>
+                <a16:creationId xmlns:a16="http://schemas.microsoft.com/office/drawing/2014/main" id="{EE3FDFDA-0633-6E80-47CE-0DD30CCB7FDC}"/>
               </a:ext>
             </a:extLst>
           </p:cNvPr>
@@ -166,7 +166,7 @@
           <p:cNvPr id="3" name="副标题 2">
             <a:extLst>
               <a:ext uri="{FF2B5EF4-FFF2-40B4-BE49-F238E27FC236}">
-                <a16:creationId xmlns:a16="http://schemas.microsoft.com/office/drawing/2014/main" id="{24273FAD-6E07-470D-907F-03272A30F150}"/>
+                <a16:creationId xmlns:a16="http://schemas.microsoft.com/office/drawing/2014/main" id="{3C05088A-94E9-5F6E-8997-D36CECB672C0}"/>
               </a:ext>
             </a:extLst>
           </p:cNvPr>
@@ -236,7 +236,7 @@
           <p:cNvPr id="4" name="日期占位符 3">
             <a:extLst>
               <a:ext uri="{FF2B5EF4-FFF2-40B4-BE49-F238E27FC236}">
-                <a16:creationId xmlns:a16="http://schemas.microsoft.com/office/drawing/2014/main" id="{7748CE76-611E-F798-881D-361A1F151BF1}"/>
+                <a16:creationId xmlns:a16="http://schemas.microsoft.com/office/drawing/2014/main" id="{EF13AC7E-AE9C-8773-7925-D4EC559DE487}"/>
               </a:ext>
             </a:extLst>
           </p:cNvPr>
@@ -252,7 +252,7 @@
           <a:bodyPr/>
           <a:lstStyle/>
           <a:p>
-            <a:fld id="{8F6ADE76-BB5C-4936-BC84-32886839106D}" type="datetimeFigureOut">
+            <a:fld id="{9D2E8FB4-6B32-4BCC-9075-0EC0EE051B07}" type="datetimeFigureOut">
               <a:rPr lang="zh-CN" altLang="en-US" smtClean="0"/>
               <a:t>2024/3/10</a:t>
             </a:fld>
@@ -265,7 +265,7 @@
           <p:cNvPr id="5" name="页脚占位符 4">
             <a:extLst>
               <a:ext uri="{FF2B5EF4-FFF2-40B4-BE49-F238E27FC236}">
-                <a16:creationId xmlns:a16="http://schemas.microsoft.com/office/drawing/2014/main" id="{C1974094-E9DE-52F8-1909-2110178BED89}"/>
+                <a16:creationId xmlns:a16="http://schemas.microsoft.com/office/drawing/2014/main" id="{F8C9A29A-62ED-DB44-52C0-B348E4DDA3F5}"/>
               </a:ext>
             </a:extLst>
           </p:cNvPr>
@@ -290,7 +290,7 @@
           <p:cNvPr id="6" name="灯片编号占位符 5">
             <a:extLst>
               <a:ext uri="{FF2B5EF4-FFF2-40B4-BE49-F238E27FC236}">
-                <a16:creationId xmlns:a16="http://schemas.microsoft.com/office/drawing/2014/main" id="{9689C4D6-7E9A-53ED-D467-B5D4731F4EF2}"/>
+                <a16:creationId xmlns:a16="http://schemas.microsoft.com/office/drawing/2014/main" id="{280BB4F4-7041-B4DE-4346-8063739C3CF3}"/>
               </a:ext>
             </a:extLst>
           </p:cNvPr>
@@ -306,7 +306,7 @@
           <a:bodyPr/>
           <a:lstStyle/>
           <a:p>
-            <a:fld id="{75BD911C-7E22-4DA6-B044-906B0512944C}" type="slidenum">
+            <a:fld id="{AE51E564-6CBF-4383-8A50-B2565C3BCD9B}" type="slidenum">
               <a:rPr lang="zh-CN" altLang="en-US" smtClean="0"/>
               <a:t>‹#›</a:t>
             </a:fld>
@@ -317,7 +317,7 @@
     </p:spTree>
     <p:extLst>
       <p:ext uri="{BB962C8B-B14F-4D97-AF65-F5344CB8AC3E}">
-        <p14:creationId xmlns:p14="http://schemas.microsoft.com/office/powerpoint/2010/main" val="2751575485"/>
+        <p14:creationId xmlns:p14="http://schemas.microsoft.com/office/powerpoint/2010/main" val="1093375660"/>
       </p:ext>
     </p:extLst>
   </p:cSld>
@@ -349,7 +349,7 @@
           <p:cNvPr id="2" name="标题 1">
             <a:extLst>
               <a:ext uri="{FF2B5EF4-FFF2-40B4-BE49-F238E27FC236}">
-                <a16:creationId xmlns:a16="http://schemas.microsoft.com/office/drawing/2014/main" id="{108191F7-EC3B-6CC0-BF92-180562CA4E37}"/>
+                <a16:creationId xmlns:a16="http://schemas.microsoft.com/office/drawing/2014/main" id="{A3A97FBF-62BE-C606-2E13-5AA721621157}"/>
               </a:ext>
             </a:extLst>
           </p:cNvPr>
@@ -377,7 +377,7 @@
           <p:cNvPr id="3" name="竖排文字占位符 2">
             <a:extLst>
               <a:ext uri="{FF2B5EF4-FFF2-40B4-BE49-F238E27FC236}">
-                <a16:creationId xmlns:a16="http://schemas.microsoft.com/office/drawing/2014/main" id="{1BD2A5FD-6C60-A400-3D05-11B312FA7B1B}"/>
+                <a16:creationId xmlns:a16="http://schemas.microsoft.com/office/drawing/2014/main" id="{809B3799-D40C-591B-AEFF-C8A8B3227934}"/>
               </a:ext>
             </a:extLst>
           </p:cNvPr>
@@ -434,7 +434,7 @@
           <p:cNvPr id="4" name="日期占位符 3">
             <a:extLst>
               <a:ext uri="{FF2B5EF4-FFF2-40B4-BE49-F238E27FC236}">
-                <a16:creationId xmlns:a16="http://schemas.microsoft.com/office/drawing/2014/main" id="{5B4AA2B3-F62D-9181-06EE-FD8BBD3FA275}"/>
+                <a16:creationId xmlns:a16="http://schemas.microsoft.com/office/drawing/2014/main" id="{437A0478-C30E-4013-FE51-6D0502313579}"/>
               </a:ext>
             </a:extLst>
           </p:cNvPr>
@@ -450,7 +450,7 @@
           <a:bodyPr/>
           <a:lstStyle/>
           <a:p>
-            <a:fld id="{8F6ADE76-BB5C-4936-BC84-32886839106D}" type="datetimeFigureOut">
+            <a:fld id="{9D2E8FB4-6B32-4BCC-9075-0EC0EE051B07}" type="datetimeFigureOut">
               <a:rPr lang="zh-CN" altLang="en-US" smtClean="0"/>
               <a:t>2024/3/10</a:t>
             </a:fld>
@@ -463,7 +463,7 @@
           <p:cNvPr id="5" name="页脚占位符 4">
             <a:extLst>
               <a:ext uri="{FF2B5EF4-FFF2-40B4-BE49-F238E27FC236}">
-                <a16:creationId xmlns:a16="http://schemas.microsoft.com/office/drawing/2014/main" id="{A5779F32-CACA-D307-C82C-E05A76B3F4C6}"/>
+                <a16:creationId xmlns:a16="http://schemas.microsoft.com/office/drawing/2014/main" id="{9448647E-6BAA-BE04-B852-67BD2734CCB4}"/>
               </a:ext>
             </a:extLst>
           </p:cNvPr>
@@ -488,7 +488,7 @@
           <p:cNvPr id="6" name="灯片编号占位符 5">
             <a:extLst>
               <a:ext uri="{FF2B5EF4-FFF2-40B4-BE49-F238E27FC236}">
-                <a16:creationId xmlns:a16="http://schemas.microsoft.com/office/drawing/2014/main" id="{9F8195ED-5129-B335-1F8F-DE3A2D9F223C}"/>
+                <a16:creationId xmlns:a16="http://schemas.microsoft.com/office/drawing/2014/main" id="{2F2DEC3A-4F62-A682-4F0B-837D7FC8F7B8}"/>
               </a:ext>
             </a:extLst>
           </p:cNvPr>
@@ -504,7 +504,7 @@
           <a:bodyPr/>
           <a:lstStyle/>
           <a:p>
-            <a:fld id="{75BD911C-7E22-4DA6-B044-906B0512944C}" type="slidenum">
+            <a:fld id="{AE51E564-6CBF-4383-8A50-B2565C3BCD9B}" type="slidenum">
               <a:rPr lang="zh-CN" altLang="en-US" smtClean="0"/>
               <a:t>‹#›</a:t>
             </a:fld>
@@ -515,7 +515,7 @@
     </p:spTree>
     <p:extLst>
       <p:ext uri="{BB962C8B-B14F-4D97-AF65-F5344CB8AC3E}">
-        <p14:creationId xmlns:p14="http://schemas.microsoft.com/office/powerpoint/2010/main" val="3150239967"/>
+        <p14:creationId xmlns:p14="http://schemas.microsoft.com/office/powerpoint/2010/main" val="1130966875"/>
       </p:ext>
     </p:extLst>
   </p:cSld>
@@ -547,7 +547,7 @@
           <p:cNvPr id="2" name="竖排标题 1">
             <a:extLst>
               <a:ext uri="{FF2B5EF4-FFF2-40B4-BE49-F238E27FC236}">
-                <a16:creationId xmlns:a16="http://schemas.microsoft.com/office/drawing/2014/main" id="{895FBBFE-4FC7-C224-D216-37FD62CD7E64}"/>
+                <a16:creationId xmlns:a16="http://schemas.microsoft.com/office/drawing/2014/main" id="{B300DD6E-EE2A-7363-B6C8-D873BED5F5D2}"/>
               </a:ext>
             </a:extLst>
           </p:cNvPr>
@@ -580,7 +580,7 @@
           <p:cNvPr id="3" name="竖排文字占位符 2">
             <a:extLst>
               <a:ext uri="{FF2B5EF4-FFF2-40B4-BE49-F238E27FC236}">
-                <a16:creationId xmlns:a16="http://schemas.microsoft.com/office/drawing/2014/main" id="{2B47AA15-AFC3-67A9-7098-AEF833654ED1}"/>
+                <a16:creationId xmlns:a16="http://schemas.microsoft.com/office/drawing/2014/main" id="{E38952E6-22BC-C504-9008-010BE58F842D}"/>
               </a:ext>
             </a:extLst>
           </p:cNvPr>
@@ -642,7 +642,7 @@
           <p:cNvPr id="4" name="日期占位符 3">
             <a:extLst>
               <a:ext uri="{FF2B5EF4-FFF2-40B4-BE49-F238E27FC236}">
-                <a16:creationId xmlns:a16="http://schemas.microsoft.com/office/drawing/2014/main" id="{6BDC2FF7-4150-B8F1-E8B6-54A56C7C325C}"/>
+                <a16:creationId xmlns:a16="http://schemas.microsoft.com/office/drawing/2014/main" id="{EFA7513C-D428-3DB9-068C-55D51B3B4643}"/>
               </a:ext>
             </a:extLst>
           </p:cNvPr>
@@ -658,7 +658,7 @@
           <a:bodyPr/>
           <a:lstStyle/>
           <a:p>
-            <a:fld id="{8F6ADE76-BB5C-4936-BC84-32886839106D}" type="datetimeFigureOut">
+            <a:fld id="{9D2E8FB4-6B32-4BCC-9075-0EC0EE051B07}" type="datetimeFigureOut">
               <a:rPr lang="zh-CN" altLang="en-US" smtClean="0"/>
               <a:t>2024/3/10</a:t>
             </a:fld>
@@ -671,7 +671,7 @@
           <p:cNvPr id="5" name="页脚占位符 4">
             <a:extLst>
               <a:ext uri="{FF2B5EF4-FFF2-40B4-BE49-F238E27FC236}">
-                <a16:creationId xmlns:a16="http://schemas.microsoft.com/office/drawing/2014/main" id="{A8BA2C35-9467-9BB0-49DE-76B29ECBE0ED}"/>
+                <a16:creationId xmlns:a16="http://schemas.microsoft.com/office/drawing/2014/main" id="{220FA2FA-71E4-97E6-D453-ED0C40A26A9F}"/>
               </a:ext>
             </a:extLst>
           </p:cNvPr>
@@ -696,7 +696,7 @@
           <p:cNvPr id="6" name="灯片编号占位符 5">
             <a:extLst>
               <a:ext uri="{FF2B5EF4-FFF2-40B4-BE49-F238E27FC236}">
-                <a16:creationId xmlns:a16="http://schemas.microsoft.com/office/drawing/2014/main" id="{EEBAA219-4679-5413-A964-F9CF079F4F55}"/>
+                <a16:creationId xmlns:a16="http://schemas.microsoft.com/office/drawing/2014/main" id="{A0E015A7-5B4A-DD41-22D9-8C0B77EB88C0}"/>
               </a:ext>
             </a:extLst>
           </p:cNvPr>
@@ -712,7 +712,7 @@
           <a:bodyPr/>
           <a:lstStyle/>
           <a:p>
-            <a:fld id="{75BD911C-7E22-4DA6-B044-906B0512944C}" type="slidenum">
+            <a:fld id="{AE51E564-6CBF-4383-8A50-B2565C3BCD9B}" type="slidenum">
               <a:rPr lang="zh-CN" altLang="en-US" smtClean="0"/>
               <a:t>‹#›</a:t>
             </a:fld>
@@ -723,7 +723,7 @@
     </p:spTree>
     <p:extLst>
       <p:ext uri="{BB962C8B-B14F-4D97-AF65-F5344CB8AC3E}">
-        <p14:creationId xmlns:p14="http://schemas.microsoft.com/office/powerpoint/2010/main" val="3665319331"/>
+        <p14:creationId xmlns:p14="http://schemas.microsoft.com/office/powerpoint/2010/main" val="1695149824"/>
       </p:ext>
     </p:extLst>
   </p:cSld>
@@ -755,7 +755,7 @@
           <p:cNvPr id="2" name="标题 1">
             <a:extLst>
               <a:ext uri="{FF2B5EF4-FFF2-40B4-BE49-F238E27FC236}">
-                <a16:creationId xmlns:a16="http://schemas.microsoft.com/office/drawing/2014/main" id="{E624FCF9-1EC8-EB07-2E51-2319262C6988}"/>
+                <a16:creationId xmlns:a16="http://schemas.microsoft.com/office/drawing/2014/main" id="{23F3ADDC-C62C-BF52-EFFB-6CB2F9A48C6F}"/>
               </a:ext>
             </a:extLst>
           </p:cNvPr>
@@ -783,7 +783,7 @@
           <p:cNvPr id="3" name="内容占位符 2">
             <a:extLst>
               <a:ext uri="{FF2B5EF4-FFF2-40B4-BE49-F238E27FC236}">
-                <a16:creationId xmlns:a16="http://schemas.microsoft.com/office/drawing/2014/main" id="{5BB0DC42-01A8-6DFB-3028-216FF8BEEB87}"/>
+                <a16:creationId xmlns:a16="http://schemas.microsoft.com/office/drawing/2014/main" id="{CE244875-64B9-C3C0-2734-DDA1FF638ECF}"/>
               </a:ext>
             </a:extLst>
           </p:cNvPr>
@@ -840,7 +840,7 @@
           <p:cNvPr id="4" name="日期占位符 3">
             <a:extLst>
               <a:ext uri="{FF2B5EF4-FFF2-40B4-BE49-F238E27FC236}">
-                <a16:creationId xmlns:a16="http://schemas.microsoft.com/office/drawing/2014/main" id="{AD5D868A-AFD2-EBD2-590F-09685CC03986}"/>
+                <a16:creationId xmlns:a16="http://schemas.microsoft.com/office/drawing/2014/main" id="{DD44CBF7-A220-A277-B822-322138EB014A}"/>
               </a:ext>
             </a:extLst>
           </p:cNvPr>
@@ -856,7 +856,7 @@
           <a:bodyPr/>
           <a:lstStyle/>
           <a:p>
-            <a:fld id="{8F6ADE76-BB5C-4936-BC84-32886839106D}" type="datetimeFigureOut">
+            <a:fld id="{9D2E8FB4-6B32-4BCC-9075-0EC0EE051B07}" type="datetimeFigureOut">
               <a:rPr lang="zh-CN" altLang="en-US" smtClean="0"/>
               <a:t>2024/3/10</a:t>
             </a:fld>
@@ -869,7 +869,7 @@
           <p:cNvPr id="5" name="页脚占位符 4">
             <a:extLst>
               <a:ext uri="{FF2B5EF4-FFF2-40B4-BE49-F238E27FC236}">
-                <a16:creationId xmlns:a16="http://schemas.microsoft.com/office/drawing/2014/main" id="{11589F49-0FC1-3D74-7202-7D0823BE2D37}"/>
+                <a16:creationId xmlns:a16="http://schemas.microsoft.com/office/drawing/2014/main" id="{427FE832-1E7E-3C2F-678A-E1B9D325A460}"/>
               </a:ext>
             </a:extLst>
           </p:cNvPr>
@@ -894,7 +894,7 @@
           <p:cNvPr id="6" name="灯片编号占位符 5">
             <a:extLst>
               <a:ext uri="{FF2B5EF4-FFF2-40B4-BE49-F238E27FC236}">
-                <a16:creationId xmlns:a16="http://schemas.microsoft.com/office/drawing/2014/main" id="{D41AD137-B239-D0CF-A08B-F4BEA0010845}"/>
+                <a16:creationId xmlns:a16="http://schemas.microsoft.com/office/drawing/2014/main" id="{60085B00-836E-B28C-130D-58A9DE633BA0}"/>
               </a:ext>
             </a:extLst>
           </p:cNvPr>
@@ -910,7 +910,7 @@
           <a:bodyPr/>
           <a:lstStyle/>
           <a:p>
-            <a:fld id="{75BD911C-7E22-4DA6-B044-906B0512944C}" type="slidenum">
+            <a:fld id="{AE51E564-6CBF-4383-8A50-B2565C3BCD9B}" type="slidenum">
               <a:rPr lang="zh-CN" altLang="en-US" smtClean="0"/>
               <a:t>‹#›</a:t>
             </a:fld>
@@ -921,7 +921,7 @@
     </p:spTree>
     <p:extLst>
       <p:ext uri="{BB962C8B-B14F-4D97-AF65-F5344CB8AC3E}">
-        <p14:creationId xmlns:p14="http://schemas.microsoft.com/office/powerpoint/2010/main" val="2348700037"/>
+        <p14:creationId xmlns:p14="http://schemas.microsoft.com/office/powerpoint/2010/main" val="3348185465"/>
       </p:ext>
     </p:extLst>
   </p:cSld>
@@ -953,7 +953,7 @@
           <p:cNvPr id="2" name="标题 1">
             <a:extLst>
               <a:ext uri="{FF2B5EF4-FFF2-40B4-BE49-F238E27FC236}">
-                <a16:creationId xmlns:a16="http://schemas.microsoft.com/office/drawing/2014/main" id="{EF90BCC6-069E-754D-7CF2-14D323D2276C}"/>
+                <a16:creationId xmlns:a16="http://schemas.microsoft.com/office/drawing/2014/main" id="{72E11A5E-67DB-D46E-8689-EEDBFDA0E45F}"/>
               </a:ext>
             </a:extLst>
           </p:cNvPr>
@@ -990,7 +990,7 @@
           <p:cNvPr id="3" name="文本占位符 2">
             <a:extLst>
               <a:ext uri="{FF2B5EF4-FFF2-40B4-BE49-F238E27FC236}">
-                <a16:creationId xmlns:a16="http://schemas.microsoft.com/office/drawing/2014/main" id="{A8BF7678-FF4E-1EB3-0B42-21CDC08359BB}"/>
+                <a16:creationId xmlns:a16="http://schemas.microsoft.com/office/drawing/2014/main" id="{E7E7466C-065A-7B40-C06C-42854DD90148}"/>
               </a:ext>
             </a:extLst>
           </p:cNvPr>
@@ -1115,7 +1115,7 @@
           <p:cNvPr id="4" name="日期占位符 3">
             <a:extLst>
               <a:ext uri="{FF2B5EF4-FFF2-40B4-BE49-F238E27FC236}">
-                <a16:creationId xmlns:a16="http://schemas.microsoft.com/office/drawing/2014/main" id="{AD7C8F36-AF3D-92ED-4EBD-3E86974D3D3D}"/>
+                <a16:creationId xmlns:a16="http://schemas.microsoft.com/office/drawing/2014/main" id="{2FE730CA-6E3E-076E-E51E-39D60FF62547}"/>
               </a:ext>
             </a:extLst>
           </p:cNvPr>
@@ -1131,7 +1131,7 @@
           <a:bodyPr/>
           <a:lstStyle/>
           <a:p>
-            <a:fld id="{8F6ADE76-BB5C-4936-BC84-32886839106D}" type="datetimeFigureOut">
+            <a:fld id="{9D2E8FB4-6B32-4BCC-9075-0EC0EE051B07}" type="datetimeFigureOut">
               <a:rPr lang="zh-CN" altLang="en-US" smtClean="0"/>
               <a:t>2024/3/10</a:t>
             </a:fld>
@@ -1144,7 +1144,7 @@
           <p:cNvPr id="5" name="页脚占位符 4">
             <a:extLst>
               <a:ext uri="{FF2B5EF4-FFF2-40B4-BE49-F238E27FC236}">
-                <a16:creationId xmlns:a16="http://schemas.microsoft.com/office/drawing/2014/main" id="{1A84C2AD-E184-9CBD-A257-4E2E105470E2}"/>
+                <a16:creationId xmlns:a16="http://schemas.microsoft.com/office/drawing/2014/main" id="{54D0E4F9-BAE0-396D-538E-E772708B4DC8}"/>
               </a:ext>
             </a:extLst>
           </p:cNvPr>
@@ -1169,7 +1169,7 @@
           <p:cNvPr id="6" name="灯片编号占位符 5">
             <a:extLst>
               <a:ext uri="{FF2B5EF4-FFF2-40B4-BE49-F238E27FC236}">
-                <a16:creationId xmlns:a16="http://schemas.microsoft.com/office/drawing/2014/main" id="{17908C56-BBC5-B90A-B88E-EF992B99C3D2}"/>
+                <a16:creationId xmlns:a16="http://schemas.microsoft.com/office/drawing/2014/main" id="{8495E27E-6FF7-1597-8841-612AA7AE0646}"/>
               </a:ext>
             </a:extLst>
           </p:cNvPr>
@@ -1185,7 +1185,7 @@
           <a:bodyPr/>
           <a:lstStyle/>
           <a:p>
-            <a:fld id="{75BD911C-7E22-4DA6-B044-906B0512944C}" type="slidenum">
+            <a:fld id="{AE51E564-6CBF-4383-8A50-B2565C3BCD9B}" type="slidenum">
               <a:rPr lang="zh-CN" altLang="en-US" smtClean="0"/>
               <a:t>‹#›</a:t>
             </a:fld>
@@ -1196,7 +1196,7 @@
     </p:spTree>
     <p:extLst>
       <p:ext uri="{BB962C8B-B14F-4D97-AF65-F5344CB8AC3E}">
-        <p14:creationId xmlns:p14="http://schemas.microsoft.com/office/powerpoint/2010/main" val="1546380408"/>
+        <p14:creationId xmlns:p14="http://schemas.microsoft.com/office/powerpoint/2010/main" val="3404727456"/>
       </p:ext>
     </p:extLst>
   </p:cSld>
@@ -1228,7 +1228,7 @@
           <p:cNvPr id="2" name="标题 1">
             <a:extLst>
               <a:ext uri="{FF2B5EF4-FFF2-40B4-BE49-F238E27FC236}">
-                <a16:creationId xmlns:a16="http://schemas.microsoft.com/office/drawing/2014/main" id="{CB9D4F2D-9E95-51A1-BB92-FF258076D3CA}"/>
+                <a16:creationId xmlns:a16="http://schemas.microsoft.com/office/drawing/2014/main" id="{7B0F9009-5E5E-6DAD-1E4F-37A08E84BBE4}"/>
               </a:ext>
             </a:extLst>
           </p:cNvPr>
@@ -1256,7 +1256,7 @@
           <p:cNvPr id="3" name="内容占位符 2">
             <a:extLst>
               <a:ext uri="{FF2B5EF4-FFF2-40B4-BE49-F238E27FC236}">
-                <a16:creationId xmlns:a16="http://schemas.microsoft.com/office/drawing/2014/main" id="{BA827C0A-2AE2-7D19-A2A3-CF76AD843FBB}"/>
+                <a16:creationId xmlns:a16="http://schemas.microsoft.com/office/drawing/2014/main" id="{36D9C288-A9AD-2F80-EAFA-811F7BCCB2DD}"/>
               </a:ext>
             </a:extLst>
           </p:cNvPr>
@@ -1318,7 +1318,7 @@
           <p:cNvPr id="4" name="内容占位符 3">
             <a:extLst>
               <a:ext uri="{FF2B5EF4-FFF2-40B4-BE49-F238E27FC236}">
-                <a16:creationId xmlns:a16="http://schemas.microsoft.com/office/drawing/2014/main" id="{510D3CC7-6442-B986-07C5-4850B48C17D9}"/>
+                <a16:creationId xmlns:a16="http://schemas.microsoft.com/office/drawing/2014/main" id="{D6134963-5988-D643-DEF9-650C6A16A970}"/>
               </a:ext>
             </a:extLst>
           </p:cNvPr>
@@ -1380,7 +1380,7 @@
           <p:cNvPr id="5" name="日期占位符 4">
             <a:extLst>
               <a:ext uri="{FF2B5EF4-FFF2-40B4-BE49-F238E27FC236}">
-                <a16:creationId xmlns:a16="http://schemas.microsoft.com/office/drawing/2014/main" id="{8CB86750-0EE6-7829-329D-17DC2CDC9EB6}"/>
+                <a16:creationId xmlns:a16="http://schemas.microsoft.com/office/drawing/2014/main" id="{53C78B78-57BB-BF0C-A324-21BE555DC1C2}"/>
               </a:ext>
             </a:extLst>
           </p:cNvPr>
@@ -1396,7 +1396,7 @@
           <a:bodyPr/>
           <a:lstStyle/>
           <a:p>
-            <a:fld id="{8F6ADE76-BB5C-4936-BC84-32886839106D}" type="datetimeFigureOut">
+            <a:fld id="{9D2E8FB4-6B32-4BCC-9075-0EC0EE051B07}" type="datetimeFigureOut">
               <a:rPr lang="zh-CN" altLang="en-US" smtClean="0"/>
               <a:t>2024/3/10</a:t>
             </a:fld>
@@ -1409,7 +1409,7 @@
           <p:cNvPr id="6" name="页脚占位符 5">
             <a:extLst>
               <a:ext uri="{FF2B5EF4-FFF2-40B4-BE49-F238E27FC236}">
-                <a16:creationId xmlns:a16="http://schemas.microsoft.com/office/drawing/2014/main" id="{7A87A327-8336-D0CD-9131-937A56A4D27B}"/>
+                <a16:creationId xmlns:a16="http://schemas.microsoft.com/office/drawing/2014/main" id="{35FF2A87-32E4-5E82-6B96-9DDE6BEDF3D0}"/>
               </a:ext>
             </a:extLst>
           </p:cNvPr>
@@ -1434,7 +1434,7 @@
           <p:cNvPr id="7" name="灯片编号占位符 6">
             <a:extLst>
               <a:ext uri="{FF2B5EF4-FFF2-40B4-BE49-F238E27FC236}">
-                <a16:creationId xmlns:a16="http://schemas.microsoft.com/office/drawing/2014/main" id="{B678D184-0645-CC57-81F0-05A588412C99}"/>
+                <a16:creationId xmlns:a16="http://schemas.microsoft.com/office/drawing/2014/main" id="{F8F424FC-25A3-84EE-648B-6F4E5B725CC8}"/>
               </a:ext>
             </a:extLst>
           </p:cNvPr>
@@ -1450,7 +1450,7 @@
           <a:bodyPr/>
           <a:lstStyle/>
           <a:p>
-            <a:fld id="{75BD911C-7E22-4DA6-B044-906B0512944C}" type="slidenum">
+            <a:fld id="{AE51E564-6CBF-4383-8A50-B2565C3BCD9B}" type="slidenum">
               <a:rPr lang="zh-CN" altLang="en-US" smtClean="0"/>
               <a:t>‹#›</a:t>
             </a:fld>
@@ -1461,7 +1461,7 @@
     </p:spTree>
     <p:extLst>
       <p:ext uri="{BB962C8B-B14F-4D97-AF65-F5344CB8AC3E}">
-        <p14:creationId xmlns:p14="http://schemas.microsoft.com/office/powerpoint/2010/main" val="4222629736"/>
+        <p14:creationId xmlns:p14="http://schemas.microsoft.com/office/powerpoint/2010/main" val="3282230886"/>
       </p:ext>
     </p:extLst>
   </p:cSld>
@@ -1493,7 +1493,7 @@
           <p:cNvPr id="2" name="标题 1">
             <a:extLst>
               <a:ext uri="{FF2B5EF4-FFF2-40B4-BE49-F238E27FC236}">
-                <a16:creationId xmlns:a16="http://schemas.microsoft.com/office/drawing/2014/main" id="{90C39D8F-EFE1-879B-3C98-415578A9E1B1}"/>
+                <a16:creationId xmlns:a16="http://schemas.microsoft.com/office/drawing/2014/main" id="{21A9B60C-92AD-1A18-8870-1692E9200296}"/>
               </a:ext>
             </a:extLst>
           </p:cNvPr>
@@ -1526,7 +1526,7 @@
           <p:cNvPr id="3" name="文本占位符 2">
             <a:extLst>
               <a:ext uri="{FF2B5EF4-FFF2-40B4-BE49-F238E27FC236}">
-                <a16:creationId xmlns:a16="http://schemas.microsoft.com/office/drawing/2014/main" id="{B32E34B7-B9BC-FF94-7B7A-26C5BB25C761}"/>
+                <a16:creationId xmlns:a16="http://schemas.microsoft.com/office/drawing/2014/main" id="{C171632D-33AB-5F8E-4AD1-B7DFCA8FDBAB}"/>
               </a:ext>
             </a:extLst>
           </p:cNvPr>
@@ -1597,7 +1597,7 @@
           <p:cNvPr id="4" name="内容占位符 3">
             <a:extLst>
               <a:ext uri="{FF2B5EF4-FFF2-40B4-BE49-F238E27FC236}">
-                <a16:creationId xmlns:a16="http://schemas.microsoft.com/office/drawing/2014/main" id="{ADA52FEC-58F7-CB82-94F5-0DA0BD3A7011}"/>
+                <a16:creationId xmlns:a16="http://schemas.microsoft.com/office/drawing/2014/main" id="{83171FCD-9670-6DCF-C802-8507CDAE0C20}"/>
               </a:ext>
             </a:extLst>
           </p:cNvPr>
@@ -1659,7 +1659,7 @@
           <p:cNvPr id="5" name="文本占位符 4">
             <a:extLst>
               <a:ext uri="{FF2B5EF4-FFF2-40B4-BE49-F238E27FC236}">
-                <a16:creationId xmlns:a16="http://schemas.microsoft.com/office/drawing/2014/main" id="{D028291F-949E-1401-458A-2578E3C5C3EF}"/>
+                <a16:creationId xmlns:a16="http://schemas.microsoft.com/office/drawing/2014/main" id="{F2F0DD98-5352-E964-2872-A00AF572B48A}"/>
               </a:ext>
             </a:extLst>
           </p:cNvPr>
@@ -1730,7 +1730,7 @@
           <p:cNvPr id="6" name="内容占位符 5">
             <a:extLst>
               <a:ext uri="{FF2B5EF4-FFF2-40B4-BE49-F238E27FC236}">
-                <a16:creationId xmlns:a16="http://schemas.microsoft.com/office/drawing/2014/main" id="{B426500F-237E-408C-927D-0077C34BA1DB}"/>
+                <a16:creationId xmlns:a16="http://schemas.microsoft.com/office/drawing/2014/main" id="{57893C17-383B-9024-484B-B7254DD55C3A}"/>
               </a:ext>
             </a:extLst>
           </p:cNvPr>
@@ -1792,7 +1792,7 @@
           <p:cNvPr id="7" name="日期占位符 6">
             <a:extLst>
               <a:ext uri="{FF2B5EF4-FFF2-40B4-BE49-F238E27FC236}">
-                <a16:creationId xmlns:a16="http://schemas.microsoft.com/office/drawing/2014/main" id="{69DC0B91-4FB1-3B3F-9438-F4983B082919}"/>
+                <a16:creationId xmlns:a16="http://schemas.microsoft.com/office/drawing/2014/main" id="{D3C76D83-CE4E-054B-5C5A-25043F2F9A3B}"/>
               </a:ext>
             </a:extLst>
           </p:cNvPr>
@@ -1808,7 +1808,7 @@
           <a:bodyPr/>
           <a:lstStyle/>
           <a:p>
-            <a:fld id="{8F6ADE76-BB5C-4936-BC84-32886839106D}" type="datetimeFigureOut">
+            <a:fld id="{9D2E8FB4-6B32-4BCC-9075-0EC0EE051B07}" type="datetimeFigureOut">
               <a:rPr lang="zh-CN" altLang="en-US" smtClean="0"/>
               <a:t>2024/3/10</a:t>
             </a:fld>
@@ -1821,7 +1821,7 @@
           <p:cNvPr id="8" name="页脚占位符 7">
             <a:extLst>
               <a:ext uri="{FF2B5EF4-FFF2-40B4-BE49-F238E27FC236}">
-                <a16:creationId xmlns:a16="http://schemas.microsoft.com/office/drawing/2014/main" id="{1A3C2DCD-2706-C45B-AF5C-A8CE7D082DF6}"/>
+                <a16:creationId xmlns:a16="http://schemas.microsoft.com/office/drawing/2014/main" id="{022250F9-C29B-E8E5-7694-0EF229306249}"/>
               </a:ext>
             </a:extLst>
           </p:cNvPr>
@@ -1846,7 +1846,7 @@
           <p:cNvPr id="9" name="灯片编号占位符 8">
             <a:extLst>
               <a:ext uri="{FF2B5EF4-FFF2-40B4-BE49-F238E27FC236}">
-                <a16:creationId xmlns:a16="http://schemas.microsoft.com/office/drawing/2014/main" id="{99D19B56-C94D-B60D-6AEF-5137525F9F31}"/>
+                <a16:creationId xmlns:a16="http://schemas.microsoft.com/office/drawing/2014/main" id="{6974A696-E240-A89A-60BC-87513A62A7AB}"/>
               </a:ext>
             </a:extLst>
           </p:cNvPr>
@@ -1862,7 +1862,7 @@
           <a:bodyPr/>
           <a:lstStyle/>
           <a:p>
-            <a:fld id="{75BD911C-7E22-4DA6-B044-906B0512944C}" type="slidenum">
+            <a:fld id="{AE51E564-6CBF-4383-8A50-B2565C3BCD9B}" type="slidenum">
               <a:rPr lang="zh-CN" altLang="en-US" smtClean="0"/>
               <a:t>‹#›</a:t>
             </a:fld>
@@ -1873,7 +1873,7 @@
     </p:spTree>
     <p:extLst>
       <p:ext uri="{BB962C8B-B14F-4D97-AF65-F5344CB8AC3E}">
-        <p14:creationId xmlns:p14="http://schemas.microsoft.com/office/powerpoint/2010/main" val="2262587578"/>
+        <p14:creationId xmlns:p14="http://schemas.microsoft.com/office/powerpoint/2010/main" val="845150192"/>
       </p:ext>
     </p:extLst>
   </p:cSld>
@@ -1905,7 +1905,7 @@
           <p:cNvPr id="2" name="标题 1">
             <a:extLst>
               <a:ext uri="{FF2B5EF4-FFF2-40B4-BE49-F238E27FC236}">
-                <a16:creationId xmlns:a16="http://schemas.microsoft.com/office/drawing/2014/main" id="{A32C10A4-89E4-548F-DF40-E7F49BD0BC20}"/>
+                <a16:creationId xmlns:a16="http://schemas.microsoft.com/office/drawing/2014/main" id="{3782BD85-3664-79F4-036B-173244973139}"/>
               </a:ext>
             </a:extLst>
           </p:cNvPr>
@@ -1933,7 +1933,7 @@
           <p:cNvPr id="3" name="日期占位符 2">
             <a:extLst>
               <a:ext uri="{FF2B5EF4-FFF2-40B4-BE49-F238E27FC236}">
-                <a16:creationId xmlns:a16="http://schemas.microsoft.com/office/drawing/2014/main" id="{63CB6828-5552-83BC-08A5-5B247D3F9D92}"/>
+                <a16:creationId xmlns:a16="http://schemas.microsoft.com/office/drawing/2014/main" id="{D4B2BA57-712D-F6C9-C893-E40B86DA7EBB}"/>
               </a:ext>
             </a:extLst>
           </p:cNvPr>
@@ -1949,7 +1949,7 @@
           <a:bodyPr/>
           <a:lstStyle/>
           <a:p>
-            <a:fld id="{8F6ADE76-BB5C-4936-BC84-32886839106D}" type="datetimeFigureOut">
+            <a:fld id="{9D2E8FB4-6B32-4BCC-9075-0EC0EE051B07}" type="datetimeFigureOut">
               <a:rPr lang="zh-CN" altLang="en-US" smtClean="0"/>
               <a:t>2024/3/10</a:t>
             </a:fld>
@@ -1962,7 +1962,7 @@
           <p:cNvPr id="4" name="页脚占位符 3">
             <a:extLst>
               <a:ext uri="{FF2B5EF4-FFF2-40B4-BE49-F238E27FC236}">
-                <a16:creationId xmlns:a16="http://schemas.microsoft.com/office/drawing/2014/main" id="{4002D5E0-3540-DFFB-4051-021634AB0CC0}"/>
+                <a16:creationId xmlns:a16="http://schemas.microsoft.com/office/drawing/2014/main" id="{114E60F8-9E82-B6D9-6D2D-6247F82C5369}"/>
               </a:ext>
             </a:extLst>
           </p:cNvPr>
@@ -1987,7 +1987,7 @@
           <p:cNvPr id="5" name="灯片编号占位符 4">
             <a:extLst>
               <a:ext uri="{FF2B5EF4-FFF2-40B4-BE49-F238E27FC236}">
-                <a16:creationId xmlns:a16="http://schemas.microsoft.com/office/drawing/2014/main" id="{97C1603A-9F7D-5743-9FF9-13FFF7D5575F}"/>
+                <a16:creationId xmlns:a16="http://schemas.microsoft.com/office/drawing/2014/main" id="{EF5D6DC0-62F3-BF79-A0DB-4424E78D8CD0}"/>
               </a:ext>
             </a:extLst>
           </p:cNvPr>
@@ -2003,7 +2003,7 @@
           <a:bodyPr/>
           <a:lstStyle/>
           <a:p>
-            <a:fld id="{75BD911C-7E22-4DA6-B044-906B0512944C}" type="slidenum">
+            <a:fld id="{AE51E564-6CBF-4383-8A50-B2565C3BCD9B}" type="slidenum">
               <a:rPr lang="zh-CN" altLang="en-US" smtClean="0"/>
               <a:t>‹#›</a:t>
             </a:fld>
@@ -2014,7 +2014,7 @@
     </p:spTree>
     <p:extLst>
       <p:ext uri="{BB962C8B-B14F-4D97-AF65-F5344CB8AC3E}">
-        <p14:creationId xmlns:p14="http://schemas.microsoft.com/office/powerpoint/2010/main" val="3132139357"/>
+        <p14:creationId xmlns:p14="http://schemas.microsoft.com/office/powerpoint/2010/main" val="2684150384"/>
       </p:ext>
     </p:extLst>
   </p:cSld>
@@ -2046,7 +2046,7 @@
           <p:cNvPr id="2" name="日期占位符 1">
             <a:extLst>
               <a:ext uri="{FF2B5EF4-FFF2-40B4-BE49-F238E27FC236}">
-                <a16:creationId xmlns:a16="http://schemas.microsoft.com/office/drawing/2014/main" id="{AE6CD47D-7CAF-E0BB-EA3F-08AF1E75EB76}"/>
+                <a16:creationId xmlns:a16="http://schemas.microsoft.com/office/drawing/2014/main" id="{B49327B6-37DC-0B11-6D7A-284738086ECB}"/>
               </a:ext>
             </a:extLst>
           </p:cNvPr>
@@ -2062,7 +2062,7 @@
           <a:bodyPr/>
           <a:lstStyle/>
           <a:p>
-            <a:fld id="{8F6ADE76-BB5C-4936-BC84-32886839106D}" type="datetimeFigureOut">
+            <a:fld id="{9D2E8FB4-6B32-4BCC-9075-0EC0EE051B07}" type="datetimeFigureOut">
               <a:rPr lang="zh-CN" altLang="en-US" smtClean="0"/>
               <a:t>2024/3/10</a:t>
             </a:fld>
@@ -2075,7 +2075,7 @@
           <p:cNvPr id="3" name="页脚占位符 2">
             <a:extLst>
               <a:ext uri="{FF2B5EF4-FFF2-40B4-BE49-F238E27FC236}">
-                <a16:creationId xmlns:a16="http://schemas.microsoft.com/office/drawing/2014/main" id="{A3D822FC-8111-1A10-1ABF-FB866BCC440D}"/>
+                <a16:creationId xmlns:a16="http://schemas.microsoft.com/office/drawing/2014/main" id="{25B77836-3ADD-9E53-89A4-6DAB162D74F7}"/>
               </a:ext>
             </a:extLst>
           </p:cNvPr>
@@ -2100,7 +2100,7 @@
           <p:cNvPr id="4" name="灯片编号占位符 3">
             <a:extLst>
               <a:ext uri="{FF2B5EF4-FFF2-40B4-BE49-F238E27FC236}">
-                <a16:creationId xmlns:a16="http://schemas.microsoft.com/office/drawing/2014/main" id="{C049E28A-83F4-8177-356B-7C06D6BB285F}"/>
+                <a16:creationId xmlns:a16="http://schemas.microsoft.com/office/drawing/2014/main" id="{51AF7F6F-43D6-0F36-CBC4-182C2F6BDD58}"/>
               </a:ext>
             </a:extLst>
           </p:cNvPr>
@@ -2116,7 +2116,7 @@
           <a:bodyPr/>
           <a:lstStyle/>
           <a:p>
-            <a:fld id="{75BD911C-7E22-4DA6-B044-906B0512944C}" type="slidenum">
+            <a:fld id="{AE51E564-6CBF-4383-8A50-B2565C3BCD9B}" type="slidenum">
               <a:rPr lang="zh-CN" altLang="en-US" smtClean="0"/>
               <a:t>‹#›</a:t>
             </a:fld>
@@ -2127,7 +2127,7 @@
     </p:spTree>
     <p:extLst>
       <p:ext uri="{BB962C8B-B14F-4D97-AF65-F5344CB8AC3E}">
-        <p14:creationId xmlns:p14="http://schemas.microsoft.com/office/powerpoint/2010/main" val="3533458573"/>
+        <p14:creationId xmlns:p14="http://schemas.microsoft.com/office/powerpoint/2010/main" val="1026283629"/>
       </p:ext>
     </p:extLst>
   </p:cSld>
@@ -2159,7 +2159,7 @@
           <p:cNvPr id="2" name="标题 1">
             <a:extLst>
               <a:ext uri="{FF2B5EF4-FFF2-40B4-BE49-F238E27FC236}">
-                <a16:creationId xmlns:a16="http://schemas.microsoft.com/office/drawing/2014/main" id="{F873D288-3F60-0424-9FF0-7B84B08911F8}"/>
+                <a16:creationId xmlns:a16="http://schemas.microsoft.com/office/drawing/2014/main" id="{A14B46B1-7998-79DE-388D-11583FC77015}"/>
               </a:ext>
             </a:extLst>
           </p:cNvPr>
@@ -2196,7 +2196,7 @@
           <p:cNvPr id="3" name="内容占位符 2">
             <a:extLst>
               <a:ext uri="{FF2B5EF4-FFF2-40B4-BE49-F238E27FC236}">
-                <a16:creationId xmlns:a16="http://schemas.microsoft.com/office/drawing/2014/main" id="{6DBF4FEB-503B-BD45-A78D-BEA31C1B587F}"/>
+                <a16:creationId xmlns:a16="http://schemas.microsoft.com/office/drawing/2014/main" id="{97F7B70A-96A2-7700-0B54-A397C716EBE0}"/>
               </a:ext>
             </a:extLst>
           </p:cNvPr>
@@ -2286,7 +2286,7 @@
           <p:cNvPr id="4" name="文本占位符 3">
             <a:extLst>
               <a:ext uri="{FF2B5EF4-FFF2-40B4-BE49-F238E27FC236}">
-                <a16:creationId xmlns:a16="http://schemas.microsoft.com/office/drawing/2014/main" id="{9221C473-0210-0029-2EF0-6951F9047895}"/>
+                <a16:creationId xmlns:a16="http://schemas.microsoft.com/office/drawing/2014/main" id="{B3BD8714-65FA-F203-AEFA-14DEF11DCCC2}"/>
               </a:ext>
             </a:extLst>
           </p:cNvPr>
@@ -2357,7 +2357,7 @@
           <p:cNvPr id="5" name="日期占位符 4">
             <a:extLst>
               <a:ext uri="{FF2B5EF4-FFF2-40B4-BE49-F238E27FC236}">
-                <a16:creationId xmlns:a16="http://schemas.microsoft.com/office/drawing/2014/main" id="{CC46EBD1-5F1B-A692-6857-A6D651A82922}"/>
+                <a16:creationId xmlns:a16="http://schemas.microsoft.com/office/drawing/2014/main" id="{20C85BAF-C94F-D4D9-A198-DF8C30701496}"/>
               </a:ext>
             </a:extLst>
           </p:cNvPr>
@@ -2373,7 +2373,7 @@
           <a:bodyPr/>
           <a:lstStyle/>
           <a:p>
-            <a:fld id="{8F6ADE76-BB5C-4936-BC84-32886839106D}" type="datetimeFigureOut">
+            <a:fld id="{9D2E8FB4-6B32-4BCC-9075-0EC0EE051B07}" type="datetimeFigureOut">
               <a:rPr lang="zh-CN" altLang="en-US" smtClean="0"/>
               <a:t>2024/3/10</a:t>
             </a:fld>
@@ -2386,7 +2386,7 @@
           <p:cNvPr id="6" name="页脚占位符 5">
             <a:extLst>
               <a:ext uri="{FF2B5EF4-FFF2-40B4-BE49-F238E27FC236}">
-                <a16:creationId xmlns:a16="http://schemas.microsoft.com/office/drawing/2014/main" id="{150F804A-2C71-359D-740C-1D1168DCD611}"/>
+                <a16:creationId xmlns:a16="http://schemas.microsoft.com/office/drawing/2014/main" id="{543D73AA-8BF7-F1A7-B285-647DCCCA64A6}"/>
               </a:ext>
             </a:extLst>
           </p:cNvPr>
@@ -2411,7 +2411,7 @@
           <p:cNvPr id="7" name="灯片编号占位符 6">
             <a:extLst>
               <a:ext uri="{FF2B5EF4-FFF2-40B4-BE49-F238E27FC236}">
-                <a16:creationId xmlns:a16="http://schemas.microsoft.com/office/drawing/2014/main" id="{84ED79CD-D6BB-4D6D-7092-93DCD183C876}"/>
+                <a16:creationId xmlns:a16="http://schemas.microsoft.com/office/drawing/2014/main" id="{2550623E-9595-4A18-EE08-D6C2B3BE81B2}"/>
               </a:ext>
             </a:extLst>
           </p:cNvPr>
@@ -2427,7 +2427,7 @@
           <a:bodyPr/>
           <a:lstStyle/>
           <a:p>
-            <a:fld id="{75BD911C-7E22-4DA6-B044-906B0512944C}" type="slidenum">
+            <a:fld id="{AE51E564-6CBF-4383-8A50-B2565C3BCD9B}" type="slidenum">
               <a:rPr lang="zh-CN" altLang="en-US" smtClean="0"/>
               <a:t>‹#›</a:t>
             </a:fld>
@@ -2438,7 +2438,7 @@
     </p:spTree>
     <p:extLst>
       <p:ext uri="{BB962C8B-B14F-4D97-AF65-F5344CB8AC3E}">
-        <p14:creationId xmlns:p14="http://schemas.microsoft.com/office/powerpoint/2010/main" val="3646447280"/>
+        <p14:creationId xmlns:p14="http://schemas.microsoft.com/office/powerpoint/2010/main" val="2336583936"/>
       </p:ext>
     </p:extLst>
   </p:cSld>
@@ -2470,7 +2470,7 @@
           <p:cNvPr id="2" name="标题 1">
             <a:extLst>
               <a:ext uri="{FF2B5EF4-FFF2-40B4-BE49-F238E27FC236}">
-                <a16:creationId xmlns:a16="http://schemas.microsoft.com/office/drawing/2014/main" id="{3F27C420-0007-2AAB-25B0-F7D24EF5AA87}"/>
+                <a16:creationId xmlns:a16="http://schemas.microsoft.com/office/drawing/2014/main" id="{FF8B0E0F-EDBD-4CAC-966E-D4F9621E42E6}"/>
               </a:ext>
             </a:extLst>
           </p:cNvPr>
@@ -2507,7 +2507,7 @@
           <p:cNvPr id="3" name="图片占位符 2">
             <a:extLst>
               <a:ext uri="{FF2B5EF4-FFF2-40B4-BE49-F238E27FC236}">
-                <a16:creationId xmlns:a16="http://schemas.microsoft.com/office/drawing/2014/main" id="{8B698F63-FBBB-ADB2-0A6D-89C434112F11}"/>
+                <a16:creationId xmlns:a16="http://schemas.microsoft.com/office/drawing/2014/main" id="{2A060E88-8FD5-0B05-9E81-899ABFCCE01A}"/>
               </a:ext>
             </a:extLst>
           </p:cNvPr>
@@ -2574,7 +2574,7 @@
           <p:cNvPr id="4" name="文本占位符 3">
             <a:extLst>
               <a:ext uri="{FF2B5EF4-FFF2-40B4-BE49-F238E27FC236}">
-                <a16:creationId xmlns:a16="http://schemas.microsoft.com/office/drawing/2014/main" id="{50650EEE-662F-B88A-47B6-CC42DF5485B6}"/>
+                <a16:creationId xmlns:a16="http://schemas.microsoft.com/office/drawing/2014/main" id="{773BCDEE-BF17-83FF-0CF4-4391E75EC341}"/>
               </a:ext>
             </a:extLst>
           </p:cNvPr>
@@ -2645,7 +2645,7 @@
           <p:cNvPr id="5" name="日期占位符 4">
             <a:extLst>
               <a:ext uri="{FF2B5EF4-FFF2-40B4-BE49-F238E27FC236}">
-                <a16:creationId xmlns:a16="http://schemas.microsoft.com/office/drawing/2014/main" id="{409B50A2-DDB3-C0BB-11D8-EF6BBB6821D9}"/>
+                <a16:creationId xmlns:a16="http://schemas.microsoft.com/office/drawing/2014/main" id="{B5BB740B-3AA3-9CF6-FEAB-958442EDE144}"/>
               </a:ext>
             </a:extLst>
           </p:cNvPr>
@@ -2661,7 +2661,7 @@
           <a:bodyPr/>
           <a:lstStyle/>
           <a:p>
-            <a:fld id="{8F6ADE76-BB5C-4936-BC84-32886839106D}" type="datetimeFigureOut">
+            <a:fld id="{9D2E8FB4-6B32-4BCC-9075-0EC0EE051B07}" type="datetimeFigureOut">
               <a:rPr lang="zh-CN" altLang="en-US" smtClean="0"/>
               <a:t>2024/3/10</a:t>
             </a:fld>
@@ -2674,7 +2674,7 @@
           <p:cNvPr id="6" name="页脚占位符 5">
             <a:extLst>
               <a:ext uri="{FF2B5EF4-FFF2-40B4-BE49-F238E27FC236}">
-                <a16:creationId xmlns:a16="http://schemas.microsoft.com/office/drawing/2014/main" id="{7B7AD778-8BAF-55F4-3ED7-5F2FCFB1D48F}"/>
+                <a16:creationId xmlns:a16="http://schemas.microsoft.com/office/drawing/2014/main" id="{C7F96FA9-75BF-6446-F823-FA2116D5A030}"/>
               </a:ext>
             </a:extLst>
           </p:cNvPr>
@@ -2699,7 +2699,7 @@
           <p:cNvPr id="7" name="灯片编号占位符 6">
             <a:extLst>
               <a:ext uri="{FF2B5EF4-FFF2-40B4-BE49-F238E27FC236}">
-                <a16:creationId xmlns:a16="http://schemas.microsoft.com/office/drawing/2014/main" id="{2DE5AB24-EDD8-3ADA-CBB3-43586BA01582}"/>
+                <a16:creationId xmlns:a16="http://schemas.microsoft.com/office/drawing/2014/main" id="{8DA4A68E-B10D-B3E0-A5D1-87C697181D7E}"/>
               </a:ext>
             </a:extLst>
           </p:cNvPr>
@@ -2715,7 +2715,7 @@
           <a:bodyPr/>
           <a:lstStyle/>
           <a:p>
-            <a:fld id="{75BD911C-7E22-4DA6-B044-906B0512944C}" type="slidenum">
+            <a:fld id="{AE51E564-6CBF-4383-8A50-B2565C3BCD9B}" type="slidenum">
               <a:rPr lang="zh-CN" altLang="en-US" smtClean="0"/>
               <a:t>‹#›</a:t>
             </a:fld>
@@ -2726,7 +2726,7 @@
     </p:spTree>
     <p:extLst>
       <p:ext uri="{BB962C8B-B14F-4D97-AF65-F5344CB8AC3E}">
-        <p14:creationId xmlns:p14="http://schemas.microsoft.com/office/powerpoint/2010/main" val="2002948597"/>
+        <p14:creationId xmlns:p14="http://schemas.microsoft.com/office/powerpoint/2010/main" val="3364121100"/>
       </p:ext>
     </p:extLst>
   </p:cSld>
@@ -2763,7 +2763,7 @@
           <p:cNvPr id="2" name="标题占位符 1">
             <a:extLst>
               <a:ext uri="{FF2B5EF4-FFF2-40B4-BE49-F238E27FC236}">
-                <a16:creationId xmlns:a16="http://schemas.microsoft.com/office/drawing/2014/main" id="{72F459E1-F58E-8006-83EE-777357F7BEBC}"/>
+                <a16:creationId xmlns:a16="http://schemas.microsoft.com/office/drawing/2014/main" id="{68845CB1-91F3-5804-0DDC-F571D6C524BE}"/>
               </a:ext>
             </a:extLst>
           </p:cNvPr>
@@ -2801,7 +2801,7 @@
           <p:cNvPr id="3" name="文本占位符 2">
             <a:extLst>
               <a:ext uri="{FF2B5EF4-FFF2-40B4-BE49-F238E27FC236}">
-                <a16:creationId xmlns:a16="http://schemas.microsoft.com/office/drawing/2014/main" id="{E71560FF-7C53-87E3-BB32-C5EC7E4C6C24}"/>
+                <a16:creationId xmlns:a16="http://schemas.microsoft.com/office/drawing/2014/main" id="{7418694E-7ED2-2286-ACFF-C6D9E82C9347}"/>
               </a:ext>
             </a:extLst>
           </p:cNvPr>
@@ -2868,7 +2868,7 @@
           <p:cNvPr id="4" name="日期占位符 3">
             <a:extLst>
               <a:ext uri="{FF2B5EF4-FFF2-40B4-BE49-F238E27FC236}">
-                <a16:creationId xmlns:a16="http://schemas.microsoft.com/office/drawing/2014/main" id="{78AD8992-3D94-5F3F-33AE-E28028734275}"/>
+                <a16:creationId xmlns:a16="http://schemas.microsoft.com/office/drawing/2014/main" id="{E2E07F9A-7562-38ED-45A7-F493772EE8D3}"/>
               </a:ext>
             </a:extLst>
           </p:cNvPr>
@@ -2902,7 +2902,7 @@
             </a:lvl1pPr>
           </a:lstStyle>
           <a:p>
-            <a:fld id="{8F6ADE76-BB5C-4936-BC84-32886839106D}" type="datetimeFigureOut">
+            <a:fld id="{9D2E8FB4-6B32-4BCC-9075-0EC0EE051B07}" type="datetimeFigureOut">
               <a:rPr lang="zh-CN" altLang="en-US" smtClean="0"/>
               <a:t>2024/3/10</a:t>
             </a:fld>
@@ -2915,7 +2915,7 @@
           <p:cNvPr id="5" name="页脚占位符 4">
             <a:extLst>
               <a:ext uri="{FF2B5EF4-FFF2-40B4-BE49-F238E27FC236}">
-                <a16:creationId xmlns:a16="http://schemas.microsoft.com/office/drawing/2014/main" id="{29161350-B06B-FF12-85DC-8B865B0F5207}"/>
+                <a16:creationId xmlns:a16="http://schemas.microsoft.com/office/drawing/2014/main" id="{B11F71DF-A75E-9138-71E2-90D624510246}"/>
               </a:ext>
             </a:extLst>
           </p:cNvPr>
@@ -2958,7 +2958,7 @@
           <p:cNvPr id="6" name="灯片编号占位符 5">
             <a:extLst>
               <a:ext uri="{FF2B5EF4-FFF2-40B4-BE49-F238E27FC236}">
-                <a16:creationId xmlns:a16="http://schemas.microsoft.com/office/drawing/2014/main" id="{114E789A-048B-B3E6-42AF-91ECC3CFEFFC}"/>
+                <a16:creationId xmlns:a16="http://schemas.microsoft.com/office/drawing/2014/main" id="{4309B119-DF21-BF72-36D6-E4D5D7E1ACBD}"/>
               </a:ext>
             </a:extLst>
           </p:cNvPr>
@@ -2992,7 +2992,7 @@
             </a:lvl1pPr>
           </a:lstStyle>
           <a:p>
-            <a:fld id="{75BD911C-7E22-4DA6-B044-906B0512944C}" type="slidenum">
+            <a:fld id="{AE51E564-6CBF-4383-8A50-B2565C3BCD9B}" type="slidenum">
               <a:rPr lang="zh-CN" altLang="en-US" smtClean="0"/>
               <a:t>‹#›</a:t>
             </a:fld>
@@ -3003,7 +3003,7 @@
     </p:spTree>
     <p:extLst>
       <p:ext uri="{BB962C8B-B14F-4D97-AF65-F5344CB8AC3E}">
-        <p14:creationId xmlns:p14="http://schemas.microsoft.com/office/powerpoint/2010/main" val="2762489498"/>
+        <p14:creationId xmlns:p14="http://schemas.microsoft.com/office/powerpoint/2010/main" val="379088066"/>
       </p:ext>
     </p:extLst>
   </p:cSld>
@@ -3323,7 +3323,7 @@
       </p:grpSpPr>
       <p:pic>
         <p:nvPicPr>
-          <p:cNvPr id="1479682" name="Picture 2" descr="1444"/>
+          <p:cNvPr id="1480706" name="Picture 2" descr="1445"/>
           <p:cNvPicPr>
             <a:picLocks noChangeAspect="1" noChangeArrowheads="1"/>
           </p:cNvPicPr>
@@ -3345,7 +3345,7 @@
         <p:spPr bwMode="auto">
           <a:xfrm>
             <a:off x="1524000" y="0"/>
-            <a:ext cx="9144000" cy="4292600"/>
+            <a:ext cx="9144000" cy="5373688"/>
           </a:xfrm>
           <a:prstGeom prst="rect">
             <a:avLst/>
